--- a/Chicago_Food_Deserts_Final.pptx
+++ b/Chicago_Food_Deserts_Final.pptx
@@ -767,7 +767,16 @@
           <a:p>
             <a:r>
               <a:rPr lang="en-US" dirty="0"/>
-              <a:t>Of the 801 census tracts, 451 or 56% are food deserts based on the definition of this project  </a:t>
+              <a:t>Of the 801 census tracts, 631 or 78% of census tracts </a:t>
+            </a:r>
+          </a:p>
+          <a:p>
+            <a:endParaRPr lang="en-US" dirty="0"/>
+          </a:p>
+          <a:p>
+            <a:r>
+              <a:rPr lang="en-US" dirty="0"/>
+              <a:t>Without accounting for size of store 56% of census tracts are food deserts based on the definition of this project  </a:t>
             </a:r>
           </a:p>
         </p:txBody>
@@ -4914,11 +4923,6 @@
               <a:rPr lang="en-US" dirty="0"/>
               <a:t>Aditya </a:t>
             </a:r>
-            <a:r>
-              <a:rPr lang="en-US" dirty="0" err="1"/>
-              <a:t>Yellajosyula</a:t>
-            </a:r>
-            <a:endParaRPr lang="en-US" dirty="0"/>
           </a:p>
           <a:p>
             <a:pPr>
@@ -4928,13 +4932,8 @@
             </a:pPr>
             <a:r>
               <a:rPr lang="en-US" dirty="0"/>
-              <a:t>Mark </a:t>
-            </a:r>
-            <a:r>
-              <a:rPr lang="en-US" dirty="0" err="1"/>
-              <a:t>DiSomma</a:t>
-            </a:r>
-            <a:endParaRPr lang="en-US" dirty="0"/>
+              <a:t>Mark  </a:t>
+            </a:r>
           </a:p>
           <a:p>
             <a:pPr>
@@ -4944,7 +4943,7 @@
             </a:pPr>
             <a:r>
               <a:rPr lang="en-US" dirty="0"/>
-              <a:t>Michelle Ibanez</a:t>
+              <a:t>Michelle  </a:t>
             </a:r>
           </a:p>
           <a:p>
@@ -5011,10 +5010,10 @@
       </p:grpSpPr>
       <p:pic>
         <p:nvPicPr>
-          <p:cNvPr id="11" name="Content Placeholder 10" descr="A screenshot of a cell phone&#10;&#10;Description automatically generated">
+          <p:cNvPr id="7" name="Content Placeholder 6" descr="A screenshot of a cell phone&#10;&#10;Description automatically generated">
             <a:extLst>
               <a:ext uri="{FF2B5EF4-FFF2-40B4-BE49-F238E27FC236}">
-                <a16:creationId xmlns:a16="http://schemas.microsoft.com/office/drawing/2014/main" id="{782DB05C-09CC-464F-B413-E930296BE28E}"/>
+                <a16:creationId xmlns:a16="http://schemas.microsoft.com/office/drawing/2014/main" id="{002721A6-7E18-4169-AEEF-ED8FBD8308BB}"/>
               </a:ext>
             </a:extLst>
           </p:cNvPr>
@@ -5033,8 +5032,8 @@
         </p:blipFill>
         <p:spPr>
           <a:xfrm>
-            <a:off x="939090" y="1769270"/>
-            <a:ext cx="5490200" cy="4117650"/>
+            <a:off x="598132" y="1769270"/>
+            <a:ext cx="6176476" cy="4117650"/>
           </a:xfrm>
         </p:spPr>
       </p:pic>
@@ -5080,7 +5079,7 @@
         </p:nvSpPr>
         <p:spPr>
           <a:xfrm>
-            <a:off x="2359378" y="2470089"/>
+            <a:off x="2212621" y="2458800"/>
             <a:ext cx="420308" cy="261610"/>
           </a:xfrm>
           <a:prstGeom prst="rect">
@@ -5115,7 +5114,7 @@
         </p:nvSpPr>
         <p:spPr>
           <a:xfrm>
-            <a:off x="3474036" y="3764881"/>
+            <a:off x="3553059" y="3087544"/>
             <a:ext cx="420308" cy="261610"/>
           </a:xfrm>
           <a:prstGeom prst="rect">
@@ -5131,7 +5130,7 @@
           <a:p>
             <a:r>
               <a:rPr lang="en-US" sz="1100" dirty="0"/>
-              <a:t>451</a:t>
+              <a:t>631</a:t>
             </a:r>
           </a:p>
         </p:txBody>
@@ -5150,7 +5149,7 @@
         </p:nvSpPr>
         <p:spPr>
           <a:xfrm>
-            <a:off x="4792134" y="3569976"/>
+            <a:off x="4905024" y="3547398"/>
             <a:ext cx="420308" cy="261610"/>
           </a:xfrm>
           <a:prstGeom prst="rect">
@@ -5195,7 +5194,7 @@
         </p:blipFill>
         <p:spPr>
           <a:xfrm>
-            <a:off x="6774656" y="1769270"/>
+            <a:off x="7406836" y="1769270"/>
             <a:ext cx="4117650" cy="4117650"/>
           </a:xfrm>
         </p:spPr>
@@ -5230,47 +5229,12 @@
           <a:chExt cx="0" cy="0"/>
         </a:xfrm>
       </p:grpSpPr>
-      <p:sp>
-        <p:nvSpPr>
-          <p:cNvPr id="2" name="Title 1">
-            <a:extLst>
-              <a:ext uri="{FF2B5EF4-FFF2-40B4-BE49-F238E27FC236}">
-                <a16:creationId xmlns:a16="http://schemas.microsoft.com/office/drawing/2014/main" id="{7562CAF4-E46F-4980-9A51-2F2FA468908C}"/>
-              </a:ext>
-            </a:extLst>
-          </p:cNvPr>
-          <p:cNvSpPr>
-            <a:spLocks noGrp="1"/>
-          </p:cNvSpPr>
-          <p:nvPr>
-            <p:ph type="title"/>
-          </p:nvPr>
-        </p:nvSpPr>
-        <p:spPr/>
-        <p:txBody>
-          <a:bodyPr/>
-          <a:lstStyle/>
-          <a:p>
-            <a:r>
-              <a:rPr lang="en-US" dirty="0"/>
-              <a:t>Food Deserts – </a:t>
-            </a:r>
-            <a:br>
-              <a:rPr lang="en-US" dirty="0"/>
-            </a:br>
-            <a:r>
-              <a:rPr lang="en-US" dirty="0"/>
-              <a:t>Grocery Stores</a:t>
-            </a:r>
-          </a:p>
-        </p:txBody>
-      </p:sp>
       <p:pic>
         <p:nvPicPr>
-          <p:cNvPr id="29" name="Picture 28" descr="A close up of a map&#10;&#10;Description automatically generated">
+          <p:cNvPr id="4" name="Picture 3" descr="A close up of a map&#10;&#10;Description automatically generated">
             <a:extLst>
               <a:ext uri="{FF2B5EF4-FFF2-40B4-BE49-F238E27FC236}">
-                <a16:creationId xmlns:a16="http://schemas.microsoft.com/office/drawing/2014/main" id="{AD235BAF-43CE-4C04-A53C-FFC2E4DB4D1B}"/>
+                <a16:creationId xmlns:a16="http://schemas.microsoft.com/office/drawing/2014/main" id="{2BC3465E-ED88-4141-B016-EAEBA19C17EC}"/>
               </a:ext>
             </a:extLst>
           </p:cNvPr>
@@ -5281,13 +5245,13 @@
         </p:nvPicPr>
         <p:blipFill rotWithShape="1">
           <a:blip r:embed="rId2"/>
-          <a:srcRect l="14774" t="11853" r="11646" b="17037"/>
+          <a:srcRect l="14939" t="11104" r="11976" b="16699"/>
           <a:stretch/>
         </p:blipFill>
         <p:spPr>
           <a:xfrm>
-            <a:off x="5130396" y="885590"/>
-            <a:ext cx="5263444" cy="5086819"/>
+            <a:off x="6096000" y="1029524"/>
+            <a:ext cx="5012267" cy="4951353"/>
           </a:xfrm>
           <a:prstGeom prst="rect">
             <a:avLst/>
@@ -5296,6 +5260,41 @@
       </p:pic>
       <p:sp>
         <p:nvSpPr>
+          <p:cNvPr id="2" name="Title 1">
+            <a:extLst>
+              <a:ext uri="{FF2B5EF4-FFF2-40B4-BE49-F238E27FC236}">
+                <a16:creationId xmlns:a16="http://schemas.microsoft.com/office/drawing/2014/main" id="{7562CAF4-E46F-4980-9A51-2F2FA468908C}"/>
+              </a:ext>
+            </a:extLst>
+          </p:cNvPr>
+          <p:cNvSpPr>
+            <a:spLocks noGrp="1"/>
+          </p:cNvSpPr>
+          <p:nvPr>
+            <p:ph type="title"/>
+          </p:nvPr>
+        </p:nvSpPr>
+        <p:spPr/>
+        <p:txBody>
+          <a:bodyPr/>
+          <a:lstStyle/>
+          <a:p>
+            <a:r>
+              <a:rPr lang="en-US" dirty="0"/>
+              <a:t>Food Deserts – </a:t>
+            </a:r>
+            <a:br>
+              <a:rPr lang="en-US" dirty="0"/>
+            </a:br>
+            <a:r>
+              <a:rPr lang="en-US" dirty="0"/>
+              <a:t>Grocery Stores</a:t>
+            </a:r>
+          </a:p>
+        </p:txBody>
+      </p:sp>
+      <p:sp>
+        <p:nvSpPr>
           <p:cNvPr id="38" name="Oval 37">
             <a:extLst>
               <a:ext uri="{FF2B5EF4-FFF2-40B4-BE49-F238E27FC236}">
@@ -5308,7 +5307,7 @@
         </p:nvSpPr>
         <p:spPr>
           <a:xfrm>
-            <a:off x="6479822" y="1862667"/>
+            <a:off x="7202311" y="2078759"/>
             <a:ext cx="575734" cy="361244"/>
           </a:xfrm>
           <a:prstGeom prst="ellipse">
@@ -5362,7 +5361,7 @@
         </p:nvSpPr>
         <p:spPr>
           <a:xfrm>
-            <a:off x="7625644" y="4363156"/>
+            <a:off x="8415866" y="4358731"/>
             <a:ext cx="660399" cy="389466"/>
           </a:xfrm>
           <a:prstGeom prst="ellipse">
@@ -5416,7 +5415,7 @@
         </p:nvSpPr>
         <p:spPr>
           <a:xfrm>
-            <a:off x="6767689" y="3979334"/>
+            <a:off x="7721601" y="4080552"/>
             <a:ext cx="575734" cy="361244"/>
           </a:xfrm>
           <a:prstGeom prst="ellipse">
@@ -5586,10 +5585,10 @@
       </p:sp>
       <p:pic>
         <p:nvPicPr>
-          <p:cNvPr id="16" name="Content Placeholder 15" descr="A close up of a map&#10;&#10;Description automatically generated">
+          <p:cNvPr id="6" name="Content Placeholder 5" descr="A picture containing text, map&#10;&#10;Description automatically generated">
             <a:extLst>
               <a:ext uri="{FF2B5EF4-FFF2-40B4-BE49-F238E27FC236}">
-                <a16:creationId xmlns:a16="http://schemas.microsoft.com/office/drawing/2014/main" id="{374EB626-8C12-435E-AC83-EA375D5D40FF}"/>
+                <a16:creationId xmlns:a16="http://schemas.microsoft.com/office/drawing/2014/main" id="{74FB8ACF-A2E5-490E-9927-0640EB150E81}"/>
               </a:ext>
             </a:extLst>
           </p:cNvPr>
@@ -5602,22 +5601,22 @@
         </p:nvPicPr>
         <p:blipFill rotWithShape="1">
           <a:blip r:embed="rId3"/>
-          <a:srcRect l="13770" t="10832" r="8436" b="16316"/>
+          <a:srcRect l="14113" t="10832" r="8779" b="15630"/>
           <a:stretch/>
         </p:blipFill>
         <p:spPr>
           <a:xfrm>
-            <a:off x="1263496" y="1951261"/>
-            <a:ext cx="4381952" cy="4103630"/>
+            <a:off x="1738489" y="2016130"/>
+            <a:ext cx="4211914" cy="4016892"/>
           </a:xfrm>
         </p:spPr>
       </p:pic>
       <p:pic>
         <p:nvPicPr>
-          <p:cNvPr id="20" name="Content Placeholder 19" descr="A close up of a map&#10;&#10;Description automatically generated">
+          <p:cNvPr id="12" name="Content Placeholder 11" descr="A close up of a map&#10;&#10;Description automatically generated">
             <a:extLst>
               <a:ext uri="{FF2B5EF4-FFF2-40B4-BE49-F238E27FC236}">
-                <a16:creationId xmlns:a16="http://schemas.microsoft.com/office/drawing/2014/main" id="{17ED5B4D-1D58-415B-B968-E42A091DC009}"/>
+                <a16:creationId xmlns:a16="http://schemas.microsoft.com/office/drawing/2014/main" id="{827FEA45-FD93-46FF-97B5-C017399CEE07}"/>
               </a:ext>
             </a:extLst>
           </p:cNvPr>
@@ -5630,253 +5629,16 @@
         </p:nvPicPr>
         <p:blipFill rotWithShape="1">
           <a:blip r:embed="rId4"/>
-          <a:srcRect l="13331" t="10659" r="8706" b="15661"/>
+          <a:srcRect l="13332" t="10658" r="8589" b="16005"/>
           <a:stretch/>
         </p:blipFill>
         <p:spPr>
           <a:xfrm>
-            <a:off x="6713864" y="1924755"/>
-            <a:ext cx="4347084" cy="4108267"/>
+            <a:off x="6637868" y="2021335"/>
+            <a:ext cx="4211914" cy="4011687"/>
           </a:xfrm>
         </p:spPr>
       </p:pic>
-      <p:grpSp>
-        <p:nvGrpSpPr>
-          <p:cNvPr id="25" name="Group 24">
-            <a:extLst>
-              <a:ext uri="{FF2B5EF4-FFF2-40B4-BE49-F238E27FC236}">
-                <a16:creationId xmlns:a16="http://schemas.microsoft.com/office/drawing/2014/main" id="{5891C26A-4DBF-4F74-8EEF-B58B81AA7A5D}"/>
-              </a:ext>
-            </a:extLst>
-          </p:cNvPr>
-          <p:cNvGrpSpPr/>
-          <p:nvPr/>
-        </p:nvGrpSpPr>
-        <p:grpSpPr>
-          <a:xfrm>
-            <a:off x="9486629" y="3978888"/>
-            <a:ext cx="544830" cy="632582"/>
-            <a:chOff x="8100060" y="3609556"/>
-            <a:chExt cx="544830" cy="632582"/>
-          </a:xfrm>
-        </p:grpSpPr>
-        <p:sp>
-          <p:nvSpPr>
-            <p:cNvPr id="21" name="Oval 20">
-              <a:extLst>
-                <a:ext uri="{FF2B5EF4-FFF2-40B4-BE49-F238E27FC236}">
-                  <a16:creationId xmlns:a16="http://schemas.microsoft.com/office/drawing/2014/main" id="{5492BD72-6CA9-4C68-98CB-8F70F7539791}"/>
-                </a:ext>
-              </a:extLst>
-            </p:cNvPr>
-            <p:cNvSpPr/>
-            <p:nvPr/>
-          </p:nvSpPr>
-          <p:spPr>
-            <a:xfrm>
-              <a:off x="8393430" y="3832860"/>
-              <a:ext cx="251460" cy="213678"/>
-            </a:xfrm>
-            <a:prstGeom prst="ellipse">
-              <a:avLst/>
-            </a:prstGeom>
-            <a:solidFill>
-              <a:srgbClr val="FFFF00">
-                <a:alpha val="25000"/>
-              </a:srgbClr>
-            </a:solidFill>
-            <a:ln>
-              <a:noFill/>
-            </a:ln>
-          </p:spPr>
-          <p:style>
-            <a:lnRef idx="2">
-              <a:schemeClr val="accent1">
-                <a:shade val="50000"/>
-              </a:schemeClr>
-            </a:lnRef>
-            <a:fillRef idx="1">
-              <a:schemeClr val="accent1"/>
-            </a:fillRef>
-            <a:effectRef idx="0">
-              <a:schemeClr val="accent1"/>
-            </a:effectRef>
-            <a:fontRef idx="minor">
-              <a:schemeClr val="lt1"/>
-            </a:fontRef>
-          </p:style>
-          <p:txBody>
-            <a:bodyPr rtlCol="0" anchor="ctr"/>
-            <a:lstStyle/>
-            <a:p>
-              <a:pPr algn="ctr"/>
-              <a:endParaRPr lang="en-US"/>
-            </a:p>
-          </p:txBody>
-        </p:sp>
-        <p:sp>
-          <p:nvSpPr>
-            <p:cNvPr id="22" name="Oval 21">
-              <a:extLst>
-                <a:ext uri="{FF2B5EF4-FFF2-40B4-BE49-F238E27FC236}">
-                  <a16:creationId xmlns:a16="http://schemas.microsoft.com/office/drawing/2014/main" id="{3C89B03B-B538-42F0-B5EE-92FFF226C862}"/>
-                </a:ext>
-              </a:extLst>
-            </p:cNvPr>
-            <p:cNvSpPr/>
-            <p:nvPr/>
-          </p:nvSpPr>
-          <p:spPr>
-            <a:xfrm>
-              <a:off x="8100060" y="3609556"/>
-              <a:ext cx="251460" cy="213678"/>
-            </a:xfrm>
-            <a:prstGeom prst="ellipse">
-              <a:avLst/>
-            </a:prstGeom>
-            <a:solidFill>
-              <a:srgbClr val="FFFF00">
-                <a:alpha val="25000"/>
-              </a:srgbClr>
-            </a:solidFill>
-            <a:ln>
-              <a:noFill/>
-            </a:ln>
-          </p:spPr>
-          <p:style>
-            <a:lnRef idx="2">
-              <a:schemeClr val="accent1">
-                <a:shade val="50000"/>
-              </a:schemeClr>
-            </a:lnRef>
-            <a:fillRef idx="1">
-              <a:schemeClr val="accent1"/>
-            </a:fillRef>
-            <a:effectRef idx="0">
-              <a:schemeClr val="accent1"/>
-            </a:effectRef>
-            <a:fontRef idx="minor">
-              <a:schemeClr val="lt1"/>
-            </a:fontRef>
-          </p:style>
-          <p:txBody>
-            <a:bodyPr rtlCol="0" anchor="ctr"/>
-            <a:lstStyle/>
-            <a:p>
-              <a:pPr algn="ctr"/>
-              <a:endParaRPr lang="en-US"/>
-            </a:p>
-          </p:txBody>
-        </p:sp>
-        <p:sp>
-          <p:nvSpPr>
-            <p:cNvPr id="23" name="Oval 22">
-              <a:extLst>
-                <a:ext uri="{FF2B5EF4-FFF2-40B4-BE49-F238E27FC236}">
-                  <a16:creationId xmlns:a16="http://schemas.microsoft.com/office/drawing/2014/main" id="{358B53A0-5728-45F0-BE76-3B1DE9B2B10C}"/>
-                </a:ext>
-              </a:extLst>
-            </p:cNvPr>
-            <p:cNvSpPr/>
-            <p:nvPr/>
-          </p:nvSpPr>
-          <p:spPr>
-            <a:xfrm>
-              <a:off x="8393430" y="3619182"/>
-              <a:ext cx="251460" cy="213678"/>
-            </a:xfrm>
-            <a:prstGeom prst="ellipse">
-              <a:avLst/>
-            </a:prstGeom>
-            <a:solidFill>
-              <a:srgbClr val="FFFF00">
-                <a:alpha val="25000"/>
-              </a:srgbClr>
-            </a:solidFill>
-            <a:ln>
-              <a:noFill/>
-            </a:ln>
-          </p:spPr>
-          <p:style>
-            <a:lnRef idx="2">
-              <a:schemeClr val="accent1">
-                <a:shade val="50000"/>
-              </a:schemeClr>
-            </a:lnRef>
-            <a:fillRef idx="1">
-              <a:schemeClr val="accent1"/>
-            </a:fillRef>
-            <a:effectRef idx="0">
-              <a:schemeClr val="accent1"/>
-            </a:effectRef>
-            <a:fontRef idx="minor">
-              <a:schemeClr val="lt1"/>
-            </a:fontRef>
-          </p:style>
-          <p:txBody>
-            <a:bodyPr rtlCol="0" anchor="ctr"/>
-            <a:lstStyle/>
-            <a:p>
-              <a:pPr algn="ctr"/>
-              <a:endParaRPr lang="en-US"/>
-            </a:p>
-          </p:txBody>
-        </p:sp>
-        <p:sp>
-          <p:nvSpPr>
-            <p:cNvPr id="24" name="Oval 23">
-              <a:extLst>
-                <a:ext uri="{FF2B5EF4-FFF2-40B4-BE49-F238E27FC236}">
-                  <a16:creationId xmlns:a16="http://schemas.microsoft.com/office/drawing/2014/main" id="{23516AEA-097C-4B61-B1BB-F91F23CF4BC3}"/>
-                </a:ext>
-              </a:extLst>
-            </p:cNvPr>
-            <p:cNvSpPr/>
-            <p:nvPr/>
-          </p:nvSpPr>
-          <p:spPr>
-            <a:xfrm>
-              <a:off x="8389946" y="4028460"/>
-              <a:ext cx="251460" cy="213678"/>
-            </a:xfrm>
-            <a:prstGeom prst="ellipse">
-              <a:avLst/>
-            </a:prstGeom>
-            <a:solidFill>
-              <a:srgbClr val="FFFF00">
-                <a:alpha val="25000"/>
-              </a:srgbClr>
-            </a:solidFill>
-            <a:ln>
-              <a:noFill/>
-            </a:ln>
-          </p:spPr>
-          <p:style>
-            <a:lnRef idx="2">
-              <a:schemeClr val="accent1">
-                <a:shade val="50000"/>
-              </a:schemeClr>
-            </a:lnRef>
-            <a:fillRef idx="1">
-              <a:schemeClr val="accent1"/>
-            </a:fillRef>
-            <a:effectRef idx="0">
-              <a:schemeClr val="accent1"/>
-            </a:effectRef>
-            <a:fontRef idx="minor">
-              <a:schemeClr val="lt1"/>
-            </a:fontRef>
-          </p:style>
-          <p:txBody>
-            <a:bodyPr rtlCol="0" anchor="ctr"/>
-            <a:lstStyle/>
-            <a:p>
-              <a:pPr algn="ctr"/>
-              <a:endParaRPr lang="en-US"/>
-            </a:p>
-          </p:txBody>
-        </p:sp>
-      </p:grpSp>
     </p:spTree>
     <p:extLst>
       <p:ext uri="{BB962C8B-B14F-4D97-AF65-F5344CB8AC3E}">
@@ -5966,10 +5728,10 @@
       </p:pic>
       <p:pic>
         <p:nvPicPr>
-          <p:cNvPr id="7" name="Content Placeholder 6" descr="A close up of a map&#10;&#10;Description automatically generated">
+          <p:cNvPr id="8" name="Content Placeholder 7" descr="A close up of a map&#10;&#10;Description automatically generated">
             <a:extLst>
               <a:ext uri="{FF2B5EF4-FFF2-40B4-BE49-F238E27FC236}">
-                <a16:creationId xmlns:a16="http://schemas.microsoft.com/office/drawing/2014/main" id="{247F0A8E-01FA-43B3-B0D1-E00587B17222}"/>
+                <a16:creationId xmlns:a16="http://schemas.microsoft.com/office/drawing/2014/main" id="{8EAD4152-90E5-4C11-8710-5421EAC2953D}"/>
               </a:ext>
             </a:extLst>
           </p:cNvPr>
@@ -5982,13 +5744,13 @@
         </p:nvPicPr>
         <p:blipFill rotWithShape="1">
           <a:blip r:embed="rId4"/>
-          <a:srcRect l="13579" t="10430" r="8301" b="15949"/>
+          <a:srcRect l="14037" t="10172" r="8019" b="15318"/>
           <a:stretch/>
         </p:blipFill>
         <p:spPr>
           <a:xfrm>
-            <a:off x="7046259" y="1621924"/>
-            <a:ext cx="4539473" cy="4278039"/>
+            <a:off x="7066843" y="1659467"/>
+            <a:ext cx="4435911" cy="4240496"/>
           </a:xfrm>
         </p:spPr>
       </p:pic>
@@ -6627,10 +6389,10 @@
       </p:pic>
       <p:pic>
         <p:nvPicPr>
-          <p:cNvPr id="24" name="Content Placeholder 15" descr="A close up of a map&#10;&#10;Description automatically generated">
+          <p:cNvPr id="14" name="Content Placeholder 5" descr="A picture containing text, map&#10;&#10;Description automatically generated">
             <a:extLst>
               <a:ext uri="{FF2B5EF4-FFF2-40B4-BE49-F238E27FC236}">
-                <a16:creationId xmlns:a16="http://schemas.microsoft.com/office/drawing/2014/main" id="{218034AD-0886-4114-A901-0DF91CDBE8FC}"/>
+                <a16:creationId xmlns:a16="http://schemas.microsoft.com/office/drawing/2014/main" id="{B64D4E5E-1471-485A-9722-BAE1183FD1BD}"/>
               </a:ext>
             </a:extLst>
           </p:cNvPr>
@@ -6641,13 +6403,13 @@
         </p:nvPicPr>
         <p:blipFill rotWithShape="1">
           <a:blip r:embed="rId6"/>
-          <a:srcRect l="13770" t="10832" r="8436" b="16316"/>
+          <a:srcRect l="14113" t="10832" r="8779" b="15630"/>
           <a:stretch/>
         </p:blipFill>
         <p:spPr>
           <a:xfrm>
-            <a:off x="1263496" y="1437523"/>
-            <a:ext cx="4832504" cy="4525565"/>
+            <a:off x="1121029" y="1432557"/>
+            <a:ext cx="4743639" cy="4523997"/>
           </a:xfrm>
           <a:prstGeom prst="rect">
             <a:avLst/>
@@ -7560,7 +7322,7 @@
           <a:p>
             <a:r>
               <a:rPr lang="en-US" dirty="0"/>
-              <a:t>Are there external indicators that connect to prevalence of food deserts (income, demographics)?</a:t>
+              <a:t>Are demographics and income levels associated with the prevalence of food deserts?</a:t>
             </a:r>
           </a:p>
           <a:p>
@@ -7662,6 +7424,12 @@
           <a:p>
             <a:r>
               <a:rPr lang="en-US" dirty="0"/>
+              <a:t>Consistent and more current data </a:t>
+            </a:r>
+          </a:p>
+          <a:p>
+            <a:r>
+              <a:rPr lang="en-US" dirty="0"/>
               <a:t>Mapping</a:t>
             </a:r>
           </a:p>
@@ -7670,6 +7438,12 @@
               <a:rPr lang="en-US" dirty="0"/>
               <a:t>Level of analysis </a:t>
             </a:r>
+          </a:p>
+          <a:p>
+            <a:pPr marL="0" indent="0">
+              <a:buNone/>
+            </a:pPr>
+            <a:endParaRPr lang="en-US" dirty="0"/>
           </a:p>
         </p:txBody>
       </p:sp>
@@ -7754,7 +7528,14 @@
           <a:p>
             <a:r>
               <a:rPr lang="en-US" dirty="0"/>
-              <a:t>Develop a more sophisticated definition of food deserts – consider additional factors, proximity measures, use more statistical measures</a:t>
+              <a:t>Develop a more sophisticated definition of food deserts </a:t>
+            </a:r>
+          </a:p>
+          <a:p>
+            <a:pPr lvl="1"/>
+            <a:r>
+              <a:rPr lang="en-US" dirty="0"/>
+              <a:t>Include additional factors – proximity measures, store size, use more statistical measures</a:t>
             </a:r>
           </a:p>
           <a:p>
@@ -8046,7 +7827,7 @@
         </p:spPr>
         <p:txBody>
           <a:bodyPr>
-            <a:normAutofit fontScale="85000" lnSpcReduction="20000"/>
+            <a:normAutofit fontScale="92500" lnSpcReduction="20000"/>
           </a:bodyPr>
           <a:lstStyle/>
           <a:p>
@@ -8061,9 +7842,11 @@
               <a:rPr lang="en-US" dirty="0">
                 <a:hlinkClick r:id="rId2"/>
               </a:rPr>
-              <a:t>https://factfinder.census.gov/faces/nav/jsf/pages/index.xhtml</a:t>
-            </a:r>
-            <a:endParaRPr lang="en-US" dirty="0"/>
+              <a:t>https://data.cityofchicago.org/ </a:t>
+            </a:r>
+            <a:endParaRPr lang="en-US" dirty="0">
+              <a:hlinkClick r:id="rId3"/>
+            </a:endParaRPr>
           </a:p>
           <a:p>
             <a:r>
@@ -8075,7 +7858,7 @@
             <a:pPr lvl="1"/>
             <a:r>
               <a:rPr lang="en-US" dirty="0">
-                <a:hlinkClick r:id="rId3"/>
+                <a:hlinkClick r:id="rId2"/>
               </a:rPr>
               <a:t>https://data.cityofchicago.org/ </a:t>
             </a:r>
@@ -8119,16 +7902,16 @@
           <a:p>
             <a:r>
               <a:rPr lang="en-US" dirty="0"/>
-              <a:t>Chicago Public Health Indicators by Community</a:t>
+              <a:t>Chicago Demographics and Income Data </a:t>
             </a:r>
           </a:p>
           <a:p>
             <a:pPr lvl="1"/>
             <a:r>
-              <a:rPr lang="en-US" u="sng" dirty="0">
-                <a:hlinkClick r:id="rId6"/>
+              <a:rPr lang="en-US" dirty="0">
+                <a:hlinkClick r:id="rId3"/>
               </a:rPr>
-              <a:t>https://data.cityofchicago.org/Health-Human-Services/Public-Health-Statistics-Selected-public-health-in/iqnk-2tcu</a:t>
+              <a:t>https://factfinder.census.gov/faces/nav/jsf/pages/index.xhtml</a:t>
             </a:r>
             <a:endParaRPr lang="en-US" dirty="0"/>
           </a:p>
@@ -8197,7 +7980,7 @@
           <a:p>
             <a:r>
               <a:rPr lang="en-US" dirty="0"/>
-              <a:t>Food Deserts</a:t>
+              <a:t>Overview</a:t>
             </a:r>
             <a:br>
               <a:rPr lang="en-US" dirty="0"/>
@@ -8225,7 +8008,7 @@
         <p:spPr/>
         <p:txBody>
           <a:bodyPr>
-            <a:normAutofit fontScale="85000" lnSpcReduction="10000"/>
+            <a:normAutofit fontScale="77500" lnSpcReduction="20000"/>
           </a:bodyPr>
           <a:lstStyle/>
           <a:p>
@@ -8289,7 +8072,15 @@
             </a:r>
             <a:r>
               <a:rPr lang="en-US" dirty="0"/>
-              <a:t>Census tracts with NO grocery stores </a:t>
+              <a:t>Census tracts with NO grocery stores greater than 10,000 </a:t>
+            </a:r>
+            <a:r>
+              <a:rPr lang="en-US" dirty="0" err="1"/>
+              <a:t>sq.ft</a:t>
+            </a:r>
+            <a:r>
+              <a:rPr lang="en-US" dirty="0"/>
+              <a:t>.</a:t>
             </a:r>
           </a:p>
           <a:p>
@@ -8324,7 +8115,22 @@
           <a:p>
             <a:r>
               <a:rPr lang="en-US" dirty="0"/>
-              <a:t>Chicago is the fourth largest food desert in the U.S.  </a:t>
+              <a:t>Chicago is one of the largest food deserts in the U.S.  </a:t>
+            </a:r>
+          </a:p>
+          <a:p>
+            <a:pPr lvl="1"/>
+            <a:r>
+              <a:rPr lang="en-US" dirty="0"/>
+              <a:t>Located &gt;1mile from a grocery store &gt;10,000 </a:t>
+            </a:r>
+            <a:r>
+              <a:rPr lang="en-US" dirty="0" err="1"/>
+              <a:t>sq.ft</a:t>
+            </a:r>
+            <a:r>
+              <a:rPr lang="en-US" dirty="0"/>
+              <a:t>. </a:t>
             </a:r>
           </a:p>
         </p:txBody>
@@ -8693,7 +8499,7 @@
             <a:pPr lvl="1"/>
             <a:r>
               <a:rPr lang="en-US" dirty="0"/>
-              <a:t>Are there external indicators that connect to prevalence of food deserts (income, demographics)?</a:t>
+              <a:t>Are demographics and income levels associated with the prevalence of food deserts?</a:t>
             </a:r>
           </a:p>
           <a:p>
@@ -8727,7 +8533,7 @@
             <a:pPr lvl="1"/>
             <a:r>
               <a:rPr lang="en-US" dirty="0"/>
-              <a:t>Chicago Crime Data</a:t>
+              <a:t>Chicago Crime, Demographic, and Income Data</a:t>
             </a:r>
           </a:p>
         </p:txBody>
@@ -8851,7 +8657,7 @@
           <a:p>
             <a:r>
               <a:rPr lang="en-US" dirty="0"/>
-              <a:t>General &amp; Geo Data Frames</a:t>
+              <a:t>General Data Frames</a:t>
             </a:r>
           </a:p>
         </p:txBody>
@@ -8881,12 +8687,6 @@
         <p:txBody>
           <a:bodyPr/>
           <a:lstStyle/>
-          <a:p>
-            <a:r>
-              <a:rPr lang="en-US" dirty="0"/>
-              <a:t>Pull geo data</a:t>
-            </a:r>
-          </a:p>
           <a:p>
             <a:r>
               <a:rPr lang="en-US" dirty="0"/>
@@ -9206,6 +9006,53 @@
           </a:p>
         </p:txBody>
       </p:sp>
+      <p:pic>
+        <p:nvPicPr>
+          <p:cNvPr id="1026" name="Picture 2" descr="Image result for python pandas">
+            <a:extLst>
+              <a:ext uri="{FF2B5EF4-FFF2-40B4-BE49-F238E27FC236}">
+                <a16:creationId xmlns:a16="http://schemas.microsoft.com/office/drawing/2014/main" id="{267FCE28-7EBD-4C18-A951-92DBD2D392EA}"/>
+              </a:ext>
+            </a:extLst>
+          </p:cNvPr>
+          <p:cNvPicPr>
+            <a:picLocks noChangeAspect="1" noChangeArrowheads="1"/>
+          </p:cNvPicPr>
+          <p:nvPr/>
+        </p:nvPicPr>
+        <p:blipFill>
+          <a:blip r:embed="rId2">
+            <a:extLst>
+              <a:ext uri="{28A0092B-C50C-407E-A947-70E740481C1C}">
+                <a14:useLocalDpi xmlns:a14="http://schemas.microsoft.com/office/drawing/2010/main" val="0"/>
+              </a:ext>
+            </a:extLst>
+          </a:blip>
+          <a:srcRect/>
+          <a:stretch>
+            <a:fillRect/>
+          </a:stretch>
+        </p:blipFill>
+        <p:spPr bwMode="auto">
+          <a:xfrm>
+            <a:off x="6366687" y="2002558"/>
+            <a:ext cx="4917967" cy="3073729"/>
+          </a:xfrm>
+          <a:prstGeom prst="rect">
+            <a:avLst/>
+          </a:prstGeom>
+          <a:noFill/>
+          <a:extLst>
+            <a:ext uri="{909E8E84-426E-40DD-AFC4-6F175D3DCCD1}">
+              <a14:hiddenFill xmlns:a14="http://schemas.microsoft.com/office/drawing/2010/main">
+                <a:solidFill>
+                  <a:srgbClr val="FFFFFF"/>
+                </a:solidFill>
+              </a14:hiddenFill>
+            </a:ext>
+          </a:extLst>
+        </p:spPr>
+      </p:pic>
     </p:spTree>
     <p:extLst>
       <p:ext uri="{BB962C8B-B14F-4D97-AF65-F5344CB8AC3E}">
